--- a/docs/cs310_presentation.pptx
+++ b/docs/cs310_presentation.pptx
@@ -2653,9 +2653,9 @@
   <dgm:cxnLst>
     <dgm:cxn modelId="{35FB892F-7B97-4331-820B-C76257A1BD38}" srcId="{9A4BE322-083C-4C4B-9253-AF942097AEB1}" destId="{311B937B-D134-4425-95DA-E9F1B8C64736}" srcOrd="0" destOrd="0" parTransId="{41FA2BAA-0F9E-48D9-9AAE-E59199B99023}" sibTransId="{26D2D5F0-8F8E-47CC-AD30-8F0B0DD1D7B6}"/>
     <dgm:cxn modelId="{A7392F3D-ECED-4812-906F-2539856209C9}" type="presOf" srcId="{FC37418F-2F24-42DC-BEE7-0F98E3A63497}" destId="{D9256F72-EF40-44B2-B5AD-FFAD93F4289D}" srcOrd="0" destOrd="0" presId="urn:microsoft.com/office/officeart/2018/5/layout/CenteredIconLabelDescriptionList"/>
+    <dgm:cxn modelId="{52CDB25A-7361-4A4C-AC33-68C0F171F3D5}" srcId="{311B937B-D134-4425-95DA-E9F1B8C64736}" destId="{E0844007-F652-458A-9BBC-3E112C8710B4}" srcOrd="0" destOrd="0" parTransId="{63DE3DE2-A4E9-4AA5-83B2-C35392841B84}" sibTransId="{29236038-6A37-46E9-906B-DB633C7689FA}"/>
     <dgm:cxn modelId="{D2673070-96D3-4383-B8F8-7B7EA18CD546}" srcId="{54C93689-EA04-4623-9B74-63A0CE3C162A}" destId="{FC37418F-2F24-42DC-BEE7-0F98E3A63497}" srcOrd="0" destOrd="0" parTransId="{A61849BF-313C-4A1F-9448-A40B9551DC6B}" sibTransId="{54029BA7-4E8C-4CA4-A056-8C49EA875012}"/>
     <dgm:cxn modelId="{2FB5F078-D2BA-4682-8E7F-6E4BA590FCCF}" type="presOf" srcId="{54C93689-EA04-4623-9B74-63A0CE3C162A}" destId="{6C48656F-52BF-466D-A304-B472856B8717}" srcOrd="0" destOrd="0" presId="urn:microsoft.com/office/officeart/2018/5/layout/CenteredIconLabelDescriptionList"/>
-    <dgm:cxn modelId="{52CDB25A-7361-4A4C-AC33-68C0F171F3D5}" srcId="{311B937B-D134-4425-95DA-E9F1B8C64736}" destId="{E0844007-F652-458A-9BBC-3E112C8710B4}" srcOrd="0" destOrd="0" parTransId="{63DE3DE2-A4E9-4AA5-83B2-C35392841B84}" sibTransId="{29236038-6A37-46E9-906B-DB633C7689FA}"/>
     <dgm:cxn modelId="{78CAB488-73D6-4D0B-9E3C-6264E759E70F}" srcId="{9A4BE322-083C-4C4B-9253-AF942097AEB1}" destId="{54C93689-EA04-4623-9B74-63A0CE3C162A}" srcOrd="1" destOrd="0" parTransId="{EC282B87-21C4-4FCB-96D4-F52EB73F9F3D}" sibTransId="{75D705DB-8895-4EF1-9D5A-F15C8D6E0039}"/>
     <dgm:cxn modelId="{541CBD90-A18B-41EA-9929-B96901FCCFB7}" type="presOf" srcId="{E0844007-F652-458A-9BBC-3E112C8710B4}" destId="{F2CDED9D-D024-4096-8FBE-CF95C51C3512}" srcOrd="0" destOrd="0" presId="urn:microsoft.com/office/officeart/2018/5/layout/CenteredIconLabelDescriptionList"/>
     <dgm:cxn modelId="{0BB7D49F-343C-44C6-B836-A641318EA299}" type="presOf" srcId="{9A4BE322-083C-4C4B-9253-AF942097AEB1}" destId="{51E72ED8-40D0-4EC4-B588-8C2D104F49C7}" srcOrd="0" destOrd="0" presId="urn:microsoft.com/office/officeart/2018/5/layout/CenteredIconLabelDescriptionList"/>
@@ -6270,7 +6270,7 @@
             <a:fld id="{08B9EBBA-996F-894A-B54A-D6246ED52CEA}" type="datetimeFigureOut">
               <a:rPr lang="en-US" smtClean="0"/>
               <a:pPr/>
-              <a:t>02-Mar-20</a:t>
+              <a:t>3/22/20</a:t>
             </a:fld>
             <a:endParaRPr lang="en-US" dirty="0"/>
           </a:p>
@@ -6570,7 +6570,7 @@
             <a:fld id="{09B482E8-6E0E-1B4F-B1FD-C69DB9E858D9}" type="datetimeFigureOut">
               <a:rPr lang="en-US" smtClean="0"/>
               <a:pPr/>
-              <a:t>02-Mar-20</a:t>
+              <a:t>3/22/20</a:t>
             </a:fld>
             <a:endParaRPr lang="en-US" dirty="0"/>
           </a:p>
@@ -6765,7 +6765,7 @@
             <a:fld id="{09B482E8-6E0E-1B4F-B1FD-C69DB9E858D9}" type="datetimeFigureOut">
               <a:rPr lang="en-US" smtClean="0"/>
               <a:pPr/>
-              <a:t>02-Mar-20</a:t>
+              <a:t>3/22/20</a:t>
             </a:fld>
             <a:endParaRPr lang="en-US" dirty="0"/>
           </a:p>
@@ -7029,7 +7029,7 @@
             <a:fld id="{09B482E8-6E0E-1B4F-B1FD-C69DB9E858D9}" type="datetimeFigureOut">
               <a:rPr lang="en-US" smtClean="0"/>
               <a:pPr/>
-              <a:t>02-Mar-20</a:t>
+              <a:t>3/22/20</a:t>
             </a:fld>
             <a:endParaRPr lang="en-US" dirty="0"/>
           </a:p>
@@ -7456,7 +7456,7 @@
             <a:fld id="{09B482E8-6E0E-1B4F-B1FD-C69DB9E858D9}" type="datetimeFigureOut">
               <a:rPr lang="en-US" smtClean="0"/>
               <a:pPr/>
-              <a:t>02-Mar-20</a:t>
+              <a:t>3/22/20</a:t>
             </a:fld>
             <a:endParaRPr lang="en-US" dirty="0"/>
           </a:p>
@@ -7996,7 +7996,7 @@
             <a:fld id="{09B482E8-6E0E-1B4F-B1FD-C69DB9E858D9}" type="datetimeFigureOut">
               <a:rPr lang="en-US" smtClean="0"/>
               <a:pPr/>
-              <a:t>02-Mar-20</a:t>
+              <a:t>3/22/20</a:t>
             </a:fld>
             <a:endParaRPr lang="en-US" dirty="0"/>
           </a:p>
@@ -8863,7 +8863,7 @@
             <a:fld id="{09B482E8-6E0E-1B4F-B1FD-C69DB9E858D9}" type="datetimeFigureOut">
               <a:rPr lang="en-US" smtClean="0"/>
               <a:pPr/>
-              <a:t>02-Mar-20</a:t>
+              <a:t>3/22/20</a:t>
             </a:fld>
             <a:endParaRPr lang="en-US" dirty="0"/>
           </a:p>
@@ -9036,7 +9036,7 @@
             <a:fld id="{C6C52C72-DE31-F449-A4ED-4C594FD91407}" type="datetimeFigureOut">
               <a:rPr lang="en-US" smtClean="0"/>
               <a:pPr/>
-              <a:t>02-Mar-20</a:t>
+              <a:t>3/22/20</a:t>
             </a:fld>
             <a:endParaRPr lang="en-US" dirty="0"/>
           </a:p>
@@ -9222,7 +9222,7 @@
             <a:fld id="{ED62726E-379B-B349-9EED-81ED093FA806}" type="datetimeFigureOut">
               <a:rPr lang="en-US" smtClean="0"/>
               <a:pPr/>
-              <a:t>02-Mar-20</a:t>
+              <a:t>3/22/20</a:t>
             </a:fld>
             <a:endParaRPr lang="en-US" dirty="0"/>
           </a:p>
@@ -9394,7 +9394,7 @@
             <a:fld id="{9B3A1323-8D79-1946-B0D7-40001CF92E9D}" type="datetimeFigureOut">
               <a:rPr lang="en-US" smtClean="0"/>
               <a:pPr/>
-              <a:t>02-Mar-20</a:t>
+              <a:t>3/22/20</a:t>
             </a:fld>
             <a:endParaRPr lang="en-US" dirty="0"/>
           </a:p>
@@ -9640,7 +9640,7 @@
             <a:fld id="{8DFA1846-DA80-1C48-A609-854EA85C59AD}" type="datetimeFigureOut">
               <a:rPr lang="en-US" smtClean="0"/>
               <a:pPr/>
-              <a:t>02-Mar-20</a:t>
+              <a:t>3/22/20</a:t>
             </a:fld>
             <a:endParaRPr lang="en-US" dirty="0"/>
           </a:p>
@@ -9878,7 +9878,7 @@
             <a:fld id="{57302355-E14B-8545-A8F8-0FE83CC9D524}" type="datetimeFigureOut">
               <a:rPr lang="en-US" smtClean="0"/>
               <a:pPr/>
-              <a:t>02-Mar-20</a:t>
+              <a:t>3/22/20</a:t>
             </a:fld>
             <a:endParaRPr lang="en-US" dirty="0"/>
           </a:p>
@@ -10346,7 +10346,7 @@
             <a:fld id="{02640F58-564D-2B4F-AE67-E407BA4FCF45}" type="datetimeFigureOut">
               <a:rPr lang="en-US" smtClean="0"/>
               <a:pPr/>
-              <a:t>02-Mar-20</a:t>
+              <a:t>3/22/20</a:t>
             </a:fld>
             <a:endParaRPr lang="en-US" dirty="0"/>
           </a:p>
@@ -10466,7 +10466,7 @@
             <a:fld id="{F13A34C8-038E-2045-AF43-DF7DBB8E0E9E}" type="datetimeFigureOut">
               <a:rPr lang="en-US" smtClean="0"/>
               <a:pPr/>
-              <a:t>02-Mar-20</a:t>
+              <a:t>3/22/20</a:t>
             </a:fld>
             <a:endParaRPr lang="en-US" dirty="0"/>
           </a:p>
@@ -10563,7 +10563,7 @@
             <a:fld id="{8818C68F-D26B-8F47-958C-23B49CF8A634}" type="datetimeFigureOut">
               <a:rPr lang="en-US" smtClean="0"/>
               <a:pPr/>
-              <a:t>02-Mar-20</a:t>
+              <a:t>3/22/20</a:t>
             </a:fld>
             <a:endParaRPr lang="en-US" dirty="0"/>
           </a:p>
@@ -10820,7 +10820,7 @@
             <a:fld id="{D0DF5E60-9974-AC48-9591-99C2BB44B7CF}" type="datetimeFigureOut">
               <a:rPr lang="en-US" smtClean="0"/>
               <a:pPr/>
-              <a:t>02-Mar-20</a:t>
+              <a:t>3/22/20</a:t>
             </a:fld>
             <a:endParaRPr lang="en-US" dirty="0"/>
           </a:p>
@@ -11122,7 +11122,7 @@
             <a:fld id="{09B482E8-6E0E-1B4F-B1FD-C69DB9E858D9}" type="datetimeFigureOut">
               <a:rPr lang="en-US" smtClean="0"/>
               <a:pPr/>
-              <a:t>02-Mar-20</a:t>
+              <a:t>3/22/20</a:t>
             </a:fld>
             <a:endParaRPr lang="en-US" dirty="0"/>
           </a:p>
@@ -11359,7 +11359,7 @@
             <a:fld id="{09B482E8-6E0E-1B4F-B1FD-C69DB9E858D9}" type="datetimeFigureOut">
               <a:rPr lang="en-US" smtClean="0"/>
               <a:pPr/>
-              <a:t>02-Mar-20</a:t>
+              <a:t>3/22/20</a:t>
             </a:fld>
             <a:endParaRPr lang="en-US" dirty="0"/>
           </a:p>
@@ -22900,8 +22900,8 @@
           </a:p>
         </p:txBody>
       </p:sp>
-      <mc:AlternateContent xmlns:mc="http://schemas.openxmlformats.org/markup-compatibility/2006" xmlns:a14="http://schemas.microsoft.com/office/drawing/2010/main">
-        <mc:Choice Requires="a14">
+      <mc:AlternateContent xmlns:mc="http://schemas.openxmlformats.org/markup-compatibility/2006">
+        <mc:Choice xmlns:a14="http://schemas.microsoft.com/office/drawing/2010/main" Requires="a14">
           <p:sp>
             <p:nvSpPr>
               <p:cNvPr id="3" name="Content Placeholder 2">
@@ -23727,7 +23727,7 @@
             </p:txBody>
           </p:sp>
         </mc:Choice>
-        <mc:Fallback xmlns="">
+        <mc:Fallback>
           <p:sp>
             <p:nvSpPr>
               <p:cNvPr id="3" name="Content Placeholder 2">
